--- a/resume/chapter2/Chapter2_FormattingData_johtani.pptx
+++ b/resume/chapter2/Chapter2_FormattingData_johtani.pptx
@@ -208,7 +208,7 @@
           <a:p>
             <a:fld id="{C4FCA3A7-D952-6D40-BDD3-4E2357F0E37F}" type="datetimeFigureOut">
               <a:rPr kumimoji="1" lang="ja-JP" altLang="en-US" smtClean="0"/>
-              <a:t>12/03/12</a:t>
+              <a:t>12/03/27</a:t>
             </a:fld>
             <a:endParaRPr kumimoji="1" lang="ja-JP" altLang="en-US"/>
           </a:p>
@@ -583,31 +583,7 @@
           <a:p>
             <a:r>
               <a:rPr kumimoji="1" lang="ja-JP" altLang="en-US" dirty="0" smtClean="0"/>
-              <a:t>データフォーマットを行うアプリケーション</a:t>
-            </a:r>
-            <a:r>
-              <a:rPr kumimoji="1" lang="ja-JP" altLang="en-US" dirty="0" smtClean="0"/>
-              <a:t>の</a:t>
-            </a:r>
-            <a:r>
-              <a:rPr kumimoji="1" lang="ja-JP" altLang="en-US" dirty="0" smtClean="0"/>
-              <a:t>利用と</a:t>
-            </a:r>
-            <a:r>
-              <a:rPr kumimoji="1" lang="ja-JP" altLang="en-US" dirty="0" smtClean="0"/>
-              <a:t>、</a:t>
-            </a:r>
-            <a:r>
-              <a:rPr kumimoji="1" lang="ja-JP" altLang="en-US" dirty="0" smtClean="0"/>
-              <a:t>ちょっとした</a:t>
-            </a:r>
-            <a:r>
-              <a:rPr kumimoji="1" lang="ja-JP" altLang="en-US" dirty="0" smtClean="0"/>
-              <a:t>プログラミングノウハウ</a:t>
-            </a:r>
-            <a:r>
-              <a:rPr kumimoji="1" lang="ja-JP" altLang="en-US" dirty="0" smtClean="0"/>
-              <a:t>は</a:t>
+              <a:t>データフォーマットを行うアプリケーションの利用と、ちょっとしたプログラミングノウハウは</a:t>
             </a:r>
             <a:endParaRPr kumimoji="1" lang="en-US" altLang="ja-JP" dirty="0" smtClean="0"/>
           </a:p>
@@ -1548,13 +1524,8 @@
             </a:pPr>
             <a:r>
               <a:rPr kumimoji="1" lang="en-US" altLang="ja-JP" baseline="0" dirty="0" smtClean="0"/>
-              <a:t>### snippet</a:t>
-            </a:r>
-            <a:r>
-              <a:rPr kumimoji="1" lang="en-US" altLang="ja-JP" baseline="0" dirty="0" smtClean="0"/>
-              <a:t> import</a:t>
-            </a:r>
-            <a:endParaRPr kumimoji="1" lang="en-US" altLang="ja-JP" baseline="0" dirty="0" smtClean="0"/>
+              <a:t>### snippet import</a:t>
+            </a:r>
           </a:p>
           <a:p>
             <a:endParaRPr kumimoji="1" lang="en-US" altLang="ja-JP" baseline="0" dirty="0" smtClean="0"/>
@@ -2218,11 +2189,7 @@
             </a:r>
             <a:r>
               <a:rPr kumimoji="1" lang="ja-JP" altLang="en-US" baseline="0" dirty="0" smtClean="0"/>
-              <a:t>タグ</a:t>
-            </a:r>
-            <a:r>
-              <a:rPr kumimoji="1" lang="ja-JP" altLang="en-US" baseline="0" dirty="0" smtClean="0"/>
-              <a:t>のリストが得られます。</a:t>
+              <a:t>タグのリストが得られます。</a:t>
             </a:r>
             <a:endParaRPr kumimoji="1" lang="en-US" altLang="ja-JP" baseline="0" dirty="0" smtClean="0"/>
           </a:p>
@@ -2825,18 +2792,7 @@
                 <a:ea typeface="+mn-ea"/>
                 <a:cs typeface="+mn-cs"/>
               </a:rPr>
-              <a:t>移動平均</a:t>
-            </a:r>
-            <a:r>
-              <a:rPr kumimoji="1" lang="ja-JP" altLang="en-US" sz="1200" kern="1200" dirty="0" smtClean="0">
-                <a:solidFill>
-                  <a:schemeClr val="tx1"/>
-                </a:solidFill>
-                <a:latin typeface="+mn-lt"/>
-                <a:ea typeface="+mn-ea"/>
-                <a:cs typeface="+mn-cs"/>
-              </a:rPr>
-              <a:t>を計算することもできます。</a:t>
+              <a:t>移動平均を計算することもできます。</a:t>
             </a:r>
             <a:endParaRPr kumimoji="1" lang="en-US" altLang="ja-JP" sz="1200" kern="1200" dirty="0" smtClean="0">
               <a:solidFill>
@@ -3337,10 +3293,183 @@
           <a:bodyPr/>
           <a:lstStyle/>
           <a:p>
+            <a:r>
+              <a:rPr kumimoji="1" lang="ja-JP" altLang="en-US" dirty="0" smtClean="0"/>
+              <a:t>最初に統計を学んだのは高校生でした。データはいつもきちんとした形式で提供されていました。</a:t>
+            </a:r>
             <a:endParaRPr kumimoji="1" lang="en-US" altLang="ja-JP" dirty="0" smtClean="0"/>
           </a:p>
           <a:p>
-            <a:endParaRPr kumimoji="1" lang="ja-JP" altLang="en-US" dirty="0"/>
+            <a:r>
+              <a:rPr kumimoji="1" lang="en-US" altLang="ja-JP" dirty="0" smtClean="0"/>
+              <a:t>Excel</a:t>
+            </a:r>
+            <a:r>
+              <a:rPr kumimoji="1" lang="ja-JP" altLang="en-US" dirty="0" smtClean="0"/>
+              <a:t>や描画用の計算機に数字を登録していました。（実際にはテトリスで遊んでましたが。）</a:t>
+            </a:r>
+            <a:endParaRPr kumimoji="1" lang="en-US" altLang="ja-JP" dirty="0" smtClean="0"/>
+          </a:p>
+          <a:p>
+            <a:r>
+              <a:rPr kumimoji="1" lang="ja-JP" altLang="en-US" dirty="0" smtClean="0"/>
+              <a:t>それが学部生の間にずっと行なっている方法でした。</a:t>
+            </a:r>
+            <a:endParaRPr kumimoji="1" lang="en-US" altLang="ja-JP" dirty="0" smtClean="0"/>
+          </a:p>
+          <a:p>
+            <a:r>
+              <a:rPr kumimoji="1" lang="ja-JP" altLang="en-US" dirty="0" smtClean="0"/>
+              <a:t>私は解析のための技術や定理を学んでいたので、私の先生はいつも</a:t>
+            </a:r>
+            <a:r>
+              <a:rPr kumimoji="1" lang="en-US" altLang="ja-JP" dirty="0" smtClean="0"/>
+              <a:t>raw</a:t>
+            </a:r>
+            <a:r>
+              <a:rPr kumimoji="1" lang="ja-JP" altLang="en-US" dirty="0" smtClean="0"/>
+              <a:t>で前処理のデータを利用しませんでした。</a:t>
+            </a:r>
+            <a:endParaRPr kumimoji="1" lang="en-US" altLang="ja-JP" dirty="0" smtClean="0"/>
+          </a:p>
+          <a:p>
+            <a:r>
+              <a:rPr kumimoji="1" lang="ja-JP" altLang="en-US" dirty="0" smtClean="0"/>
+              <a:t>データはいつも正しいフォーマットのものだけだと思ってました。</a:t>
+            </a:r>
+            <a:endParaRPr kumimoji="1" lang="en-US" altLang="ja-JP" dirty="0" smtClean="0"/>
+          </a:p>
+          <a:p>
+            <a:endParaRPr kumimoji="1" lang="en-US" altLang="ja-JP" dirty="0" smtClean="0"/>
+          </a:p>
+          <a:p>
+            <a:r>
+              <a:rPr kumimoji="1" lang="ja-JP" altLang="en-US" dirty="0" smtClean="0"/>
+              <a:t>これは、時間の制約があるためだと理解できました。</a:t>
+            </a:r>
+            <a:endParaRPr kumimoji="1" lang="en-US" altLang="ja-JP" dirty="0" smtClean="0"/>
+          </a:p>
+          <a:p>
+            <a:r>
+              <a:rPr kumimoji="1" lang="ja-JP" altLang="en-US" dirty="0" smtClean="0"/>
+              <a:t>しかし、大学院で、実際のデータが決してそのようなフォーマットであるとは限らないと実感しました。</a:t>
+            </a:r>
+            <a:endParaRPr kumimoji="1" lang="en-US" altLang="ja-JP" dirty="0" smtClean="0"/>
+          </a:p>
+          <a:p>
+            <a:r>
+              <a:rPr kumimoji="1" lang="ja-JP" altLang="en-US" dirty="0" smtClean="0"/>
+              <a:t>実際には、値が欠損していたり、ラベルが矛盾していたり、タイポだったりコンテキストのない値があったりします。</a:t>
+            </a:r>
+            <a:endParaRPr kumimoji="1" lang="en-US" altLang="ja-JP" dirty="0" smtClean="0"/>
+          </a:p>
+          <a:p>
+            <a:r>
+              <a:rPr kumimoji="1" lang="ja-JP" altLang="en-US" dirty="0" smtClean="0"/>
+              <a:t>いくつかのテーブルに分割して登録されており、ユニークな</a:t>
+            </a:r>
+            <a:r>
+              <a:rPr kumimoji="1" lang="en-US" altLang="ja-JP" dirty="0" smtClean="0"/>
+              <a:t>ID</a:t>
+            </a:r>
+            <a:r>
+              <a:rPr kumimoji="1" lang="ja-JP" altLang="en-US" dirty="0" smtClean="0"/>
+              <a:t>でジョインしたりする必要があります。</a:t>
+            </a:r>
+            <a:endParaRPr kumimoji="1" lang="en-US" altLang="ja-JP" dirty="0" smtClean="0"/>
+          </a:p>
+          <a:p>
+            <a:endParaRPr kumimoji="1" lang="en-US" altLang="ja-JP" dirty="0" smtClean="0"/>
+          </a:p>
+          <a:p>
+            <a:r>
+              <a:rPr kumimoji="1" lang="ja-JP" altLang="en-US" dirty="0" smtClean="0"/>
+              <a:t>これが、私が</a:t>
+            </a:r>
+            <a:r>
+              <a:rPr kumimoji="1" lang="en-US" altLang="ja-JP" dirty="0" smtClean="0"/>
+              <a:t>Visualization</a:t>
+            </a:r>
+            <a:r>
+              <a:rPr kumimoji="1" lang="ja-JP" altLang="en-US" dirty="0" smtClean="0"/>
+              <a:t>を扱うようになった</a:t>
+            </a:r>
+            <a:endParaRPr kumimoji="1" lang="en-US" altLang="ja-JP" dirty="0" smtClean="0"/>
+          </a:p>
+          <a:p>
+            <a:r>
+              <a:rPr kumimoji="1" lang="en-US" altLang="ja-JP" dirty="0" smtClean="0"/>
+              <a:t>Visualization</a:t>
+            </a:r>
+            <a:r>
+              <a:rPr kumimoji="1" lang="ja-JP" altLang="en-US" dirty="0" smtClean="0"/>
+              <a:t>はますます重要になっています。それは、データがより重要になっているからです。</a:t>
+            </a:r>
+            <a:endParaRPr kumimoji="1" lang="en-US" altLang="ja-JP" dirty="0" smtClean="0"/>
+          </a:p>
+          <a:p>
+            <a:r>
+              <a:rPr kumimoji="1" lang="ja-JP" altLang="en-US" dirty="0" smtClean="0"/>
+              <a:t>いまでは、データを特定のフォーマットにして視覚化するのは一緒に行います。</a:t>
+            </a:r>
+            <a:endParaRPr kumimoji="1" lang="en-US" altLang="ja-JP" dirty="0" smtClean="0"/>
+          </a:p>
+          <a:p>
+            <a:r>
+              <a:rPr kumimoji="1" lang="ja-JP" altLang="en-US" dirty="0" smtClean="0"/>
+              <a:t>時にはデータを入手するのが大半の時間になることもあります。</a:t>
+            </a:r>
+            <a:endParaRPr kumimoji="1" lang="en-US" altLang="ja-JP" dirty="0" smtClean="0"/>
+          </a:p>
+          <a:p>
+            <a:pPr marL="0" marR="0" indent="0" algn="l" defTabSz="457200" rtl="0" eaLnBrk="1" fontAlgn="auto" latinLnBrk="0" hangingPunct="1">
+              <a:lnSpc>
+                <a:spcPct val="100000"/>
+              </a:lnSpc>
+              <a:spcBef>
+                <a:spcPts val="0"/>
+              </a:spcBef>
+              <a:spcAft>
+                <a:spcPts val="0"/>
+              </a:spcAft>
+              <a:buClrTx/>
+              <a:buSzTx/>
+              <a:buFontTx/>
+              <a:buNone/>
+              <a:tabLst/>
+              <a:defRPr/>
+            </a:pPr>
+            <a:r>
+              <a:rPr kumimoji="1" lang="ja-JP" altLang="en-US" dirty="0" smtClean="0"/>
+              <a:t>これは最初は奇妙でしたが、</a:t>
+            </a:r>
+            <a:r>
+              <a:rPr kumimoji="1" lang="ja-JP" altLang="en-US" dirty="0" smtClean="0"/>
+              <a:t>きちんとまとまったデータが入手できると</a:t>
+            </a:r>
+            <a:endParaRPr kumimoji="1" lang="en-US" altLang="ja-JP" dirty="0" smtClean="0"/>
+          </a:p>
+          <a:p>
+            <a:r>
+              <a:rPr kumimoji="1" lang="ja-JP" altLang="en-US" dirty="0" smtClean="0"/>
+              <a:t>データグラフィックスのデザインが簡単になるのがわかります。</a:t>
+            </a:r>
+            <a:endParaRPr kumimoji="1" lang="en-US" altLang="ja-JP" dirty="0" smtClean="0"/>
+          </a:p>
+          <a:p>
+            <a:r>
+              <a:rPr kumimoji="1" lang="ja-JP" altLang="en-US" smtClean="0"/>
+              <a:t>それは、高校</a:t>
+            </a:r>
+            <a:r>
+              <a:rPr kumimoji="1" lang="ja-JP" altLang="en-US" dirty="0" smtClean="0"/>
+              <a:t>の統計コースの導入</a:t>
+            </a:r>
+            <a:r>
+              <a:rPr kumimoji="1" lang="ja-JP" altLang="en-US" smtClean="0"/>
+              <a:t>に戻った時のようです。</a:t>
+            </a:r>
+            <a:endParaRPr kumimoji="1" lang="en-US" altLang="ja-JP" dirty="0" smtClean="0"/>
           </a:p>
         </p:txBody>
       </p:sp>
@@ -26074,7 +26203,7 @@
             <a:fld id="{2CD1DBD8-A67D-41E5-86AA-61E77FDD4AFC}" type="datetimeFigureOut">
               <a:rPr kumimoji="1" lang="en-US" smtClean="0"/>
               <a:pPr eaLnBrk="1" latinLnBrk="0" hangingPunct="1"/>
-              <a:t>12/03/12</a:t>
+              <a:t>12/03/27</a:t>
             </a:fld>
             <a:endParaRPr kumimoji="1" lang="en-US"/>
           </a:p>
@@ -26274,7 +26403,7 @@
             <a:fld id="{2CD1DBD8-A67D-41E5-86AA-61E77FDD4AFC}" type="datetimeFigureOut">
               <a:rPr kumimoji="1" lang="en-US" smtClean="0"/>
               <a:pPr eaLnBrk="1" latinLnBrk="0" hangingPunct="1"/>
-              <a:t>12/03/12</a:t>
+              <a:t>12/03/27</a:t>
             </a:fld>
             <a:endParaRPr kumimoji="1" lang="en-US"/>
           </a:p>
@@ -26484,7 +26613,7 @@
             <a:fld id="{2CD1DBD8-A67D-41E5-86AA-61E77FDD4AFC}" type="datetimeFigureOut">
               <a:rPr kumimoji="1" lang="en-US" smtClean="0"/>
               <a:pPr eaLnBrk="1" latinLnBrk="0" hangingPunct="1"/>
-              <a:t>12/03/12</a:t>
+              <a:t>12/03/27</a:t>
             </a:fld>
             <a:endParaRPr kumimoji="1" lang="en-US"/>
           </a:p>
@@ -26684,7 +26813,7 @@
             <a:fld id="{2CD1DBD8-A67D-41E5-86AA-61E77FDD4AFC}" type="datetimeFigureOut">
               <a:rPr kumimoji="1" lang="en-US" smtClean="0"/>
               <a:pPr eaLnBrk="1" latinLnBrk="0" hangingPunct="1"/>
-              <a:t>12/03/12</a:t>
+              <a:t>12/03/27</a:t>
             </a:fld>
             <a:endParaRPr kumimoji="1" lang="en-US"/>
           </a:p>
@@ -47358,7 +47487,7 @@
             <a:fld id="{2CD1DBD8-A67D-41E5-86AA-61E77FDD4AFC}" type="datetimeFigureOut">
               <a:rPr kumimoji="1" lang="en-US" smtClean="0"/>
               <a:pPr eaLnBrk="1" latinLnBrk="0" hangingPunct="1"/>
-              <a:t>12/03/12</a:t>
+              <a:t>12/03/27</a:t>
             </a:fld>
             <a:endParaRPr kumimoji="1" lang="en-US"/>
           </a:p>
@@ -48290,7 +48419,7 @@
             <a:fld id="{2CD1DBD8-A67D-41E5-86AA-61E77FDD4AFC}" type="datetimeFigureOut">
               <a:rPr kumimoji="1" lang="en-US" smtClean="0"/>
               <a:pPr eaLnBrk="1" latinLnBrk="0" hangingPunct="1"/>
-              <a:t>12/03/12</a:t>
+              <a:t>12/03/27</a:t>
             </a:fld>
             <a:endParaRPr kumimoji="1" lang="en-US"/>
           </a:p>
@@ -48774,7 +48903,7 @@
             <a:fld id="{2CD1DBD8-A67D-41E5-86AA-61E77FDD4AFC}" type="datetimeFigureOut">
               <a:rPr kumimoji="1" lang="en-US" smtClean="0"/>
               <a:pPr eaLnBrk="1" latinLnBrk="0" hangingPunct="1"/>
-              <a:t>12/03/12</a:t>
+              <a:t>12/03/27</a:t>
             </a:fld>
             <a:endParaRPr kumimoji="1" lang="en-US"/>
           </a:p>
@@ -48899,7 +49028,7 @@
             <a:fld id="{2CD1DBD8-A67D-41E5-86AA-61E77FDD4AFC}" type="datetimeFigureOut">
               <a:rPr kumimoji="1" lang="en-US" smtClean="0"/>
               <a:pPr eaLnBrk="1" latinLnBrk="0" hangingPunct="1"/>
-              <a:t>12/03/12</a:t>
+              <a:t>12/03/27</a:t>
             </a:fld>
             <a:endParaRPr kumimoji="1" lang="en-US"/>
           </a:p>
@@ -48992,7 +49121,7 @@
             <a:fld id="{2CD1DBD8-A67D-41E5-86AA-61E77FDD4AFC}" type="datetimeFigureOut">
               <a:rPr kumimoji="1" lang="en-US" smtClean="0"/>
               <a:pPr eaLnBrk="1" latinLnBrk="0" hangingPunct="1"/>
-              <a:t>12/03/12</a:t>
+              <a:t>12/03/27</a:t>
             </a:fld>
             <a:endParaRPr kumimoji="1" lang="en-US"/>
           </a:p>
@@ -49360,7 +49489,7 @@
             <a:fld id="{2CD1DBD8-A67D-41E5-86AA-61E77FDD4AFC}" type="datetimeFigureOut">
               <a:rPr kumimoji="1" lang="en-US" smtClean="0"/>
               <a:pPr eaLnBrk="1" latinLnBrk="0" hangingPunct="1"/>
-              <a:t>12/03/12</a:t>
+              <a:t>12/03/27</a:t>
             </a:fld>
             <a:endParaRPr kumimoji="1" lang="en-US"/>
           </a:p>
@@ -49701,7 +49830,7 @@
             <a:fld id="{2CD1DBD8-A67D-41E5-86AA-61E77FDD4AFC}" type="datetimeFigureOut">
               <a:rPr kumimoji="1" lang="en-US" smtClean="0"/>
               <a:pPr eaLnBrk="1" latinLnBrk="0" hangingPunct="1"/>
-              <a:t>12/03/12</a:t>
+              <a:t>12/03/27</a:t>
             </a:fld>
             <a:endParaRPr kumimoji="1" lang="en-US"/>
           </a:p>
@@ -56196,7 +56325,7 @@
             <a:fld id="{2CD1DBD8-A67D-41E5-86AA-61E77FDD4AFC}" type="datetimeFigureOut">
               <a:rPr kumimoji="1" lang="en-US" smtClean="0"/>
               <a:pPr eaLnBrk="1" latinLnBrk="0" hangingPunct="1"/>
-              <a:t>12/03/12</a:t>
+              <a:t>12/03/27</a:t>
             </a:fld>
             <a:endParaRPr kumimoji="1" lang="en-US"/>
           </a:p>
@@ -57170,11 +57299,7 @@
             </a:r>
             <a:r>
               <a:rPr lang="ja-JP" altLang="en-US" sz="2000" dirty="0" smtClean="0"/>
-              <a:t>製パーサー部分</a:t>
-            </a:r>
-            <a:r>
-              <a:rPr lang="ja-JP" altLang="en-US" sz="2000" dirty="0" smtClean="0"/>
-              <a:t>）</a:t>
+              <a:t>製パーサー部分）</a:t>
             </a:r>
             <a:r>
               <a:rPr lang="en-US" altLang="ja-JP" sz="2000" dirty="0"/>
@@ -57580,11 +57705,7 @@
           <a:p>
             <a:r>
               <a:rPr lang="ja-JP" altLang="en-US" sz="2000" dirty="0" smtClean="0"/>
-              <a:t>例</a:t>
-            </a:r>
-            <a:r>
-              <a:rPr lang="ja-JP" altLang="en-US" sz="2000" dirty="0" smtClean="0"/>
-              <a:t>では</a:t>
+              <a:t>例では</a:t>
             </a:r>
             <a:r>
               <a:rPr lang="en-US" altLang="ja-JP" sz="2000" dirty="0"/>
@@ -58579,6 +58700,48 @@
           </a:bodyPr>
           <a:lstStyle/>
           <a:p>
+            <a:r>
+              <a:rPr kumimoji="1" lang="ja-JP" altLang="en-US" sz="2400" dirty="0" smtClean="0"/>
+              <a:t>高校の時はフォーマット済みデータを与えられてた。学部生時代も同様</a:t>
+            </a:r>
+            <a:endParaRPr kumimoji="1" lang="en-US" altLang="ja-JP" sz="2400" dirty="0" smtClean="0"/>
+          </a:p>
+          <a:p>
+            <a:endParaRPr lang="en-US" altLang="ja-JP" sz="2400" dirty="0"/>
+          </a:p>
+          <a:p>
+            <a:r>
+              <a:rPr kumimoji="1" lang="ja-JP" altLang="en-US" sz="2400" dirty="0" smtClean="0"/>
+              <a:t>大学院の時に、実データは整形されてないと知る</a:t>
+            </a:r>
+            <a:endParaRPr kumimoji="1" lang="en-US" altLang="ja-JP" sz="2400" dirty="0" smtClean="0"/>
+          </a:p>
+          <a:p>
+            <a:endParaRPr lang="en-US" altLang="ja-JP" sz="2400" dirty="0"/>
+          </a:p>
+          <a:p>
+            <a:r>
+              <a:rPr kumimoji="1" lang="ja-JP" altLang="en-US" sz="2400" dirty="0" smtClean="0"/>
+              <a:t>今ではデータの整形と視覚化を一緒に行うのが普通</a:t>
+            </a:r>
+            <a:endParaRPr kumimoji="1" lang="en-US" altLang="ja-JP" sz="2400" dirty="0" smtClean="0"/>
+          </a:p>
+          <a:p>
+            <a:endParaRPr lang="en-US" altLang="ja-JP" sz="2400" dirty="0"/>
+          </a:p>
+          <a:p>
+            <a:r>
+              <a:rPr kumimoji="1" lang="ja-JP" altLang="en-US" sz="2400" dirty="0" smtClean="0"/>
+              <a:t>データをきちんと</a:t>
+            </a:r>
+            <a:r>
+              <a:rPr kumimoji="1" lang="ja-JP" altLang="en-US" sz="2400" smtClean="0"/>
+              <a:t>まとめると</a:t>
+            </a:r>
+            <a:r>
+              <a:rPr lang="ja-JP" altLang="en-US" sz="2400" smtClean="0"/>
+              <a:t>視覚化がより簡単におこなえる</a:t>
+            </a:r>
             <a:endParaRPr kumimoji="1" lang="ja-JP" altLang="en-US" sz="2400" dirty="0"/>
           </a:p>
         </p:txBody>
